--- a/documents/Präsentation/FER_AnnaWill.pptx
+++ b/documents/Präsentation/FER_AnnaWill.pptx
@@ -6643,10 +6643,9 @@
           <a:lstStyle/>
           <a:p>
             <a:r>
-              <a:rPr lang="de-DE"/>
+              <a:rPr lang="de-DE" dirty="0"/>
               <a:t>Vorlagen PPT der OTH Regensburg - Format 16x9</a:t>
             </a:r>
-            <a:endParaRPr lang="de-DE" dirty="0"/>
           </a:p>
         </p:txBody>
       </p:sp>
@@ -6706,9 +6705,13 @@
           <a:lstStyle/>
           <a:p>
             <a:r>
-              <a:rPr lang="de-DE" dirty="0"/>
-              <a:t>NN</a:t>
-            </a:r>
+              <a:rPr lang="de-DE" dirty="0" smtClean="0"/>
+              <a:t/>
+            </a:r>
+            <a:br>
+              <a:rPr lang="de-DE" dirty="0" smtClean="0"/>
+            </a:br>
+            <a:endParaRPr lang="de-DE" dirty="0"/>
           </a:p>
         </p:txBody>
       </p:sp>
@@ -7678,12 +7681,9 @@
 </file>
 
 <file path=customXml/item1.xml><?xml version="1.0" encoding="utf-8"?>
-<?mso-contentType ?>
-<FormTemplates xmlns="http://schemas.microsoft.com/sharepoint/v3/contenttype/forms">
-  <Display>DocumentLibraryForm</Display>
-  <Edit>DocumentLibraryForm</Edit>
-  <New>DocumentLibraryForm</New>
-</FormTemplates>
+<p:properties xmlns:p="http://schemas.microsoft.com/office/2006/metadata/properties" xmlns:xsi="http://www.w3.org/2001/XMLSchema-instance" xmlns:pc="http://schemas.microsoft.com/office/infopath/2007/PartnerControls">
+  <documentManagement/>
+</p:properties>
 </file>
 
 <file path=customXml/item2.xml><?xml version="1.0" encoding="utf-8"?>
@@ -7801,15 +7801,25 @@
 </file>
 
 <file path=customXml/item3.xml><?xml version="1.0" encoding="utf-8"?>
-<p:properties xmlns:p="http://schemas.microsoft.com/office/2006/metadata/properties" xmlns:xsi="http://www.w3.org/2001/XMLSchema-instance" xmlns:pc="http://schemas.microsoft.com/office/infopath/2007/PartnerControls">
-  <documentManagement/>
-</p:properties>
+<?mso-contentType ?>
+<FormTemplates xmlns="http://schemas.microsoft.com/sharepoint/v3/contenttype/forms">
+  <Display>DocumentLibraryForm</Display>
+  <Edit>DocumentLibraryForm</Edit>
+  <New>DocumentLibraryForm</New>
+</FormTemplates>
 </file>
 
 <file path=customXml/itemProps1.xml><?xml version="1.0" encoding="utf-8"?>
-<ds:datastoreItem xmlns:ds="http://schemas.openxmlformats.org/officeDocument/2006/customXml" ds:itemID="{20CAF0C3-C893-4631-969E-805C1C12F17E}">
+<ds:datastoreItem xmlns:ds="http://schemas.openxmlformats.org/officeDocument/2006/customXml" ds:itemID="{6F65AD01-48E5-4010-AD48-B7D7CFBD789F}">
   <ds:schemaRefs>
-    <ds:schemaRef ds:uri="http://schemas.microsoft.com/sharepoint/v3/contenttype/forms"/>
+    <ds:schemaRef ds:uri="http://purl.org/dc/elements/1.1/"/>
+    <ds:schemaRef ds:uri="http://schemas.microsoft.com/office/2006/documentManagement/types"/>
+    <ds:schemaRef ds:uri="http://purl.org/dc/terms/"/>
+    <ds:schemaRef ds:uri="http://schemas.openxmlformats.org/package/2006/metadata/core-properties"/>
+    <ds:schemaRef ds:uri="http://purl.org/dc/dcmitype/"/>
+    <ds:schemaRef ds:uri="http://schemas.microsoft.com/office/infopath/2007/PartnerControls"/>
+    <ds:schemaRef ds:uri="http://schemas.microsoft.com/office/2006/metadata/properties"/>
+    <ds:schemaRef ds:uri="http://www.w3.org/XML/1998/namespace"/>
   </ds:schemaRefs>
 </ds:datastoreItem>
 </file>
@@ -7831,16 +7841,9 @@
 </file>
 
 <file path=customXml/itemProps3.xml><?xml version="1.0" encoding="utf-8"?>
-<ds:datastoreItem xmlns:ds="http://schemas.openxmlformats.org/officeDocument/2006/customXml" ds:itemID="{6F65AD01-48E5-4010-AD48-B7D7CFBD789F}">
+<ds:datastoreItem xmlns:ds="http://schemas.openxmlformats.org/officeDocument/2006/customXml" ds:itemID="{20CAF0C3-C893-4631-969E-805C1C12F17E}">
   <ds:schemaRefs>
-    <ds:schemaRef ds:uri="http://purl.org/dc/elements/1.1/"/>
-    <ds:schemaRef ds:uri="http://schemas.microsoft.com/office/2006/documentManagement/types"/>
-    <ds:schemaRef ds:uri="http://purl.org/dc/terms/"/>
-    <ds:schemaRef ds:uri="http://schemas.openxmlformats.org/package/2006/metadata/core-properties"/>
-    <ds:schemaRef ds:uri="http://purl.org/dc/dcmitype/"/>
-    <ds:schemaRef ds:uri="http://schemas.microsoft.com/office/infopath/2007/PartnerControls"/>
-    <ds:schemaRef ds:uri="http://schemas.microsoft.com/office/2006/metadata/properties"/>
-    <ds:schemaRef ds:uri="http://www.w3.org/XML/1998/namespace"/>
+    <ds:schemaRef ds:uri="http://schemas.microsoft.com/sharepoint/v3/contenttype/forms"/>
   </ds:schemaRefs>
 </ds:datastoreItem>
 </file>